--- a/docs/songs/turn it up.pptx
+++ b/docs/songs/turn it up.pptx
@@ -311,7 +311,7 @@
             <a:fld id="{26EA1CF3-4A15-4CBF-9A5A-6A56C368BE71}" type="datetimeFigureOut">
               <a:rPr lang="en-GB" smtClean="0"/>
               <a:pPr/>
-              <a:t>21/11/2022</a:t>
+              <a:t>10/06/2024</a:t>
             </a:fld>
             <a:endParaRPr lang="en-GB"/>
           </a:p>
@@ -478,7 +478,7 @@
             <a:fld id="{26EA1CF3-4A15-4CBF-9A5A-6A56C368BE71}" type="datetimeFigureOut">
               <a:rPr lang="en-GB" smtClean="0"/>
               <a:pPr/>
-              <a:t>21/11/2022</a:t>
+              <a:t>10/06/2024</a:t>
             </a:fld>
             <a:endParaRPr lang="en-GB"/>
           </a:p>
@@ -655,7 +655,7 @@
             <a:fld id="{26EA1CF3-4A15-4CBF-9A5A-6A56C368BE71}" type="datetimeFigureOut">
               <a:rPr lang="en-GB" smtClean="0"/>
               <a:pPr/>
-              <a:t>21/11/2022</a:t>
+              <a:t>10/06/2024</a:t>
             </a:fld>
             <a:endParaRPr lang="en-GB"/>
           </a:p>
@@ -822,7 +822,7 @@
             <a:fld id="{26EA1CF3-4A15-4CBF-9A5A-6A56C368BE71}" type="datetimeFigureOut">
               <a:rPr lang="en-GB" smtClean="0"/>
               <a:pPr/>
-              <a:t>21/11/2022</a:t>
+              <a:t>10/06/2024</a:t>
             </a:fld>
             <a:endParaRPr lang="en-GB"/>
           </a:p>
@@ -1065,7 +1065,7 @@
             <a:fld id="{26EA1CF3-4A15-4CBF-9A5A-6A56C368BE71}" type="datetimeFigureOut">
               <a:rPr lang="en-GB" smtClean="0"/>
               <a:pPr/>
-              <a:t>21/11/2022</a:t>
+              <a:t>10/06/2024</a:t>
             </a:fld>
             <a:endParaRPr lang="en-GB"/>
           </a:p>
@@ -1350,7 +1350,7 @@
             <a:fld id="{26EA1CF3-4A15-4CBF-9A5A-6A56C368BE71}" type="datetimeFigureOut">
               <a:rPr lang="en-GB" smtClean="0"/>
               <a:pPr/>
-              <a:t>21/11/2022</a:t>
+              <a:t>10/06/2024</a:t>
             </a:fld>
             <a:endParaRPr lang="en-GB"/>
           </a:p>
@@ -1769,7 +1769,7 @@
             <a:fld id="{26EA1CF3-4A15-4CBF-9A5A-6A56C368BE71}" type="datetimeFigureOut">
               <a:rPr lang="en-GB" smtClean="0"/>
               <a:pPr/>
-              <a:t>21/11/2022</a:t>
+              <a:t>10/06/2024</a:t>
             </a:fld>
             <a:endParaRPr lang="en-GB"/>
           </a:p>
@@ -1884,7 +1884,7 @@
             <a:fld id="{26EA1CF3-4A15-4CBF-9A5A-6A56C368BE71}" type="datetimeFigureOut">
               <a:rPr lang="en-GB" smtClean="0"/>
               <a:pPr/>
-              <a:t>21/11/2022</a:t>
+              <a:t>10/06/2024</a:t>
             </a:fld>
             <a:endParaRPr lang="en-GB"/>
           </a:p>
@@ -1976,7 +1976,7 @@
             <a:fld id="{26EA1CF3-4A15-4CBF-9A5A-6A56C368BE71}" type="datetimeFigureOut">
               <a:rPr lang="en-GB" smtClean="0"/>
               <a:pPr/>
-              <a:t>21/11/2022</a:t>
+              <a:t>10/06/2024</a:t>
             </a:fld>
             <a:endParaRPr lang="en-GB"/>
           </a:p>
@@ -2250,7 +2250,7 @@
             <a:fld id="{26EA1CF3-4A15-4CBF-9A5A-6A56C368BE71}" type="datetimeFigureOut">
               <a:rPr lang="en-GB" smtClean="0"/>
               <a:pPr/>
-              <a:t>21/11/2022</a:t>
+              <a:t>10/06/2024</a:t>
             </a:fld>
             <a:endParaRPr lang="en-GB"/>
           </a:p>
@@ -2500,7 +2500,7 @@
             <a:fld id="{26EA1CF3-4A15-4CBF-9A5A-6A56C368BE71}" type="datetimeFigureOut">
               <a:rPr lang="en-GB" smtClean="0"/>
               <a:pPr/>
-              <a:t>21/11/2022</a:t>
+              <a:t>10/06/2024</a:t>
             </a:fld>
             <a:endParaRPr lang="en-GB"/>
           </a:p>
@@ -2713,7 +2713,7 @@
             <a:fld id="{26EA1CF3-4A15-4CBF-9A5A-6A56C368BE71}" type="datetimeFigureOut">
               <a:rPr lang="en-GB" smtClean="0"/>
               <a:pPr/>
-              <a:t>21/11/2022</a:t>
+              <a:t>10/06/2024</a:t>
             </a:fld>
             <a:endParaRPr lang="en-GB"/>
           </a:p>
@@ -3278,7 +3278,7 @@
         </p:nvSpPr>
         <p:spPr>
           <a:xfrm>
-            <a:off x="323528" y="188640"/>
+            <a:off x="323528" y="620688"/>
             <a:ext cx="8640960" cy="6480720"/>
           </a:xfrm>
         </p:spPr>
@@ -3404,7 +3404,7 @@
         </p:nvSpPr>
         <p:spPr>
           <a:xfrm>
-            <a:off x="323528" y="188640"/>
+            <a:off x="248838" y="764704"/>
             <a:ext cx="8640960" cy="6480720"/>
           </a:xfrm>
         </p:spPr>
@@ -3540,7 +3540,7 @@
         </p:nvSpPr>
         <p:spPr>
           <a:xfrm>
-            <a:off x="323528" y="188640"/>
+            <a:off x="251520" y="692696"/>
             <a:ext cx="8640960" cy="6480720"/>
           </a:xfrm>
         </p:spPr>
@@ -3656,7 +3656,7 @@
         </p:nvSpPr>
         <p:spPr>
           <a:xfrm>
-            <a:off x="323528" y="188640"/>
+            <a:off x="251520" y="692696"/>
             <a:ext cx="8640960" cy="6480720"/>
           </a:xfrm>
         </p:spPr>
@@ -3782,7 +3782,7 @@
         </p:nvSpPr>
         <p:spPr>
           <a:xfrm>
-            <a:off x="323528" y="188640"/>
+            <a:off x="251520" y="692696"/>
             <a:ext cx="8640960" cy="6480720"/>
           </a:xfrm>
         </p:spPr>
@@ -3898,7 +3898,7 @@
         </p:nvSpPr>
         <p:spPr>
           <a:xfrm>
-            <a:off x="323528" y="188640"/>
+            <a:off x="251520" y="692696"/>
             <a:ext cx="8640960" cy="6480720"/>
           </a:xfrm>
         </p:spPr>
@@ -3929,18 +3929,13 @@
           </a:p>
           <a:p>
             <a:r>
-              <a:rPr lang="en-GB" sz="4000">
+              <a:rPr lang="en-GB" sz="4000" dirty="0">
                 <a:solidFill>
                   <a:schemeClr val="bg1"/>
                 </a:solidFill>
               </a:rPr>
               <a:t>You are riding on our praise oh Lord</a:t>
             </a:r>
-            <a:endParaRPr lang="en-GB" sz="4000" dirty="0">
-              <a:solidFill>
-                <a:schemeClr val="bg1"/>
-              </a:solidFill>
-            </a:endParaRPr>
           </a:p>
         </p:txBody>
       </p:sp>
